--- a/Cat_Project_Jwp_190809.pptx
+++ b/Cat_Project_Jwp_190809.pptx
@@ -8,6 +8,7 @@
     <p:sldId id="256" r:id="rId2"/>
     <p:sldId id="258" r:id="rId3"/>
     <p:sldId id="257" r:id="rId4"/>
+    <p:sldId id="259" r:id="rId5"/>
   </p:sldIdLst>
   <p:sldSz cx="12192000" cy="6858000"/>
   <p:notesSz cx="6858000" cy="9144000"/>
@@ -106,6 +107,11 @@
       </a:defRPr>
     </a:lvl9pPr>
   </p:defaultTextStyle>
+  <p:extLst>
+    <p:ext uri="{EFAFB233-063F-42B5-8137-9DF3F51BA10A}">
+      <p15:sldGuideLst xmlns:p15="http://schemas.microsoft.com/office/powerpoint/2012/main"/>
+    </p:ext>
+  </p:extLst>
 </p:presentation>
 </file>
 
@@ -240,7 +246,7 @@
           <a:p>
             <a:fld id="{217B7402-2679-4B4C-8D2A-5FF93BCFFF7E}" type="datetimeFigureOut">
               <a:rPr lang="ko-KR" altLang="en-US" smtClean="0"/>
-              <a:t>2019-08-09</a:t>
+              <a:t>2019-08-16</a:t>
             </a:fld>
             <a:endParaRPr lang="ko-KR" altLang="en-US"/>
           </a:p>
@@ -410,7 +416,7 @@
           <a:p>
             <a:fld id="{217B7402-2679-4B4C-8D2A-5FF93BCFFF7E}" type="datetimeFigureOut">
               <a:rPr lang="ko-KR" altLang="en-US" smtClean="0"/>
-              <a:t>2019-08-09</a:t>
+              <a:t>2019-08-16</a:t>
             </a:fld>
             <a:endParaRPr lang="ko-KR" altLang="en-US"/>
           </a:p>
@@ -590,7 +596,7 @@
           <a:p>
             <a:fld id="{217B7402-2679-4B4C-8D2A-5FF93BCFFF7E}" type="datetimeFigureOut">
               <a:rPr lang="ko-KR" altLang="en-US" smtClean="0"/>
-              <a:t>2019-08-09</a:t>
+              <a:t>2019-08-16</a:t>
             </a:fld>
             <a:endParaRPr lang="ko-KR" altLang="en-US"/>
           </a:p>
@@ -760,7 +766,7 @@
           <a:p>
             <a:fld id="{217B7402-2679-4B4C-8D2A-5FF93BCFFF7E}" type="datetimeFigureOut">
               <a:rPr lang="ko-KR" altLang="en-US" smtClean="0"/>
-              <a:t>2019-08-09</a:t>
+              <a:t>2019-08-16</a:t>
             </a:fld>
             <a:endParaRPr lang="ko-KR" altLang="en-US"/>
           </a:p>
@@ -1006,7 +1012,7 @@
           <a:p>
             <a:fld id="{217B7402-2679-4B4C-8D2A-5FF93BCFFF7E}" type="datetimeFigureOut">
               <a:rPr lang="ko-KR" altLang="en-US" smtClean="0"/>
-              <a:t>2019-08-09</a:t>
+              <a:t>2019-08-16</a:t>
             </a:fld>
             <a:endParaRPr lang="ko-KR" altLang="en-US"/>
           </a:p>
@@ -1238,7 +1244,7 @@
           <a:p>
             <a:fld id="{217B7402-2679-4B4C-8D2A-5FF93BCFFF7E}" type="datetimeFigureOut">
               <a:rPr lang="ko-KR" altLang="en-US" smtClean="0"/>
-              <a:t>2019-08-09</a:t>
+              <a:t>2019-08-16</a:t>
             </a:fld>
             <a:endParaRPr lang="ko-KR" altLang="en-US"/>
           </a:p>
@@ -1605,7 +1611,7 @@
           <a:p>
             <a:fld id="{217B7402-2679-4B4C-8D2A-5FF93BCFFF7E}" type="datetimeFigureOut">
               <a:rPr lang="ko-KR" altLang="en-US" smtClean="0"/>
-              <a:t>2019-08-09</a:t>
+              <a:t>2019-08-16</a:t>
             </a:fld>
             <a:endParaRPr lang="ko-KR" altLang="en-US"/>
           </a:p>
@@ -1723,7 +1729,7 @@
           <a:p>
             <a:fld id="{217B7402-2679-4B4C-8D2A-5FF93BCFFF7E}" type="datetimeFigureOut">
               <a:rPr lang="ko-KR" altLang="en-US" smtClean="0"/>
-              <a:t>2019-08-09</a:t>
+              <a:t>2019-08-16</a:t>
             </a:fld>
             <a:endParaRPr lang="ko-KR" altLang="en-US"/>
           </a:p>
@@ -1818,7 +1824,7 @@
           <a:p>
             <a:fld id="{217B7402-2679-4B4C-8D2A-5FF93BCFFF7E}" type="datetimeFigureOut">
               <a:rPr lang="ko-KR" altLang="en-US" smtClean="0"/>
-              <a:t>2019-08-09</a:t>
+              <a:t>2019-08-16</a:t>
             </a:fld>
             <a:endParaRPr lang="ko-KR" altLang="en-US"/>
           </a:p>
@@ -2095,7 +2101,7 @@
           <a:p>
             <a:fld id="{217B7402-2679-4B4C-8D2A-5FF93BCFFF7E}" type="datetimeFigureOut">
               <a:rPr lang="ko-KR" altLang="en-US" smtClean="0"/>
-              <a:t>2019-08-09</a:t>
+              <a:t>2019-08-16</a:t>
             </a:fld>
             <a:endParaRPr lang="ko-KR" altLang="en-US"/>
           </a:p>
@@ -2348,7 +2354,7 @@
           <a:p>
             <a:fld id="{217B7402-2679-4B4C-8D2A-5FF93BCFFF7E}" type="datetimeFigureOut">
               <a:rPr lang="ko-KR" altLang="en-US" smtClean="0"/>
-              <a:t>2019-08-09</a:t>
+              <a:t>2019-08-16</a:t>
             </a:fld>
             <a:endParaRPr lang="ko-KR" altLang="en-US"/>
           </a:p>
@@ -2561,7 +2567,7 @@
           <a:p>
             <a:fld id="{217B7402-2679-4B4C-8D2A-5FF93BCFFF7E}" type="datetimeFigureOut">
               <a:rPr lang="ko-KR" altLang="en-US" smtClean="0"/>
-              <a:t>2019-08-09</a:t>
+              <a:t>2019-08-16</a:t>
             </a:fld>
             <a:endParaRPr lang="ko-KR" altLang="en-US"/>
           </a:p>
@@ -4024,7 +4030,23 @@
             </a:pPr>
             <a:r>
               <a:rPr lang="en-US" altLang="ko-KR" sz="2400" dirty="0" smtClean="0"/>
-              <a:t>2. Finding landmarks of image (For image Segmentation)</a:t>
+              <a:t>2. Finding landmarks of image </a:t>
+            </a:r>
+            <a:r>
+              <a:rPr lang="en-US" altLang="ko-KR" sz="2400" dirty="0" smtClean="0"/>
+              <a:t>(for </a:t>
+            </a:r>
+            <a:r>
+              <a:rPr lang="en-US" altLang="ko-KR" sz="2400" dirty="0" smtClean="0"/>
+              <a:t>image </a:t>
+            </a:r>
+            <a:r>
+              <a:rPr lang="en-US" altLang="ko-KR" sz="2400" dirty="0" smtClean="0"/>
+              <a:t>segmentation</a:t>
+            </a:r>
+            <a:r>
+              <a:rPr lang="en-US" altLang="ko-KR" sz="2400" dirty="0" smtClean="0"/>
+              <a:t>)</a:t>
             </a:r>
             <a:endParaRPr lang="en-US" altLang="ko-KR" dirty="0" smtClean="0"/>
           </a:p>
@@ -4040,11 +4062,7 @@
             </a:r>
             <a:r>
               <a:rPr lang="en-US" altLang="ko-KR" dirty="0" smtClean="0"/>
-              <a:t>  </a:t>
-            </a:r>
-            <a:r>
-              <a:rPr lang="en-US" altLang="ko-KR" dirty="0" smtClean="0"/>
-              <a:t>- </a:t>
+              <a:t>  - </a:t>
             </a:r>
             <a:r>
               <a:rPr lang="ko-KR" altLang="en-US" dirty="0" smtClean="0"/>
@@ -4078,7 +4096,6 @@
               <a:rPr lang="en-US" altLang="ko-KR" dirty="0" smtClean="0"/>
               <a:t>   </a:t>
             </a:r>
-            <a:endParaRPr lang="en-US" altLang="ko-KR" dirty="0" smtClean="0"/>
           </a:p>
           <a:p>
             <a:pPr>
@@ -4120,11 +4137,7 @@
             </a:r>
             <a:r>
               <a:rPr lang="en-US" altLang="ko-KR" dirty="0" smtClean="0"/>
-              <a:t>  </a:t>
-            </a:r>
-            <a:r>
-              <a:rPr lang="en-US" altLang="ko-KR" dirty="0" smtClean="0"/>
-              <a:t>-</a:t>
+              <a:t>  -</a:t>
             </a:r>
             <a:r>
               <a:rPr lang="ko-KR" altLang="en-US" dirty="0" smtClean="0"/>
@@ -4810,6 +4823,1419 @@
 </p:sld>
 </file>
 
+<file path=ppt/slides/slide4.xml><?xml version="1.0" encoding="utf-8"?>
+<p:sld xmlns:a="http://schemas.openxmlformats.org/drawingml/2006/main" xmlns:r="http://schemas.openxmlformats.org/officeDocument/2006/relationships" xmlns:p="http://schemas.openxmlformats.org/presentationml/2006/main">
+  <p:cSld>
+    <p:spTree>
+      <p:nvGrpSpPr>
+        <p:cNvPr id="1" name=""/>
+        <p:cNvGrpSpPr/>
+        <p:nvPr/>
+      </p:nvGrpSpPr>
+      <p:grpSpPr>
+        <a:xfrm>
+          <a:off x="0" y="0"/>
+          <a:ext cx="0" cy="0"/>
+          <a:chOff x="0" y="0"/>
+          <a:chExt cx="0" cy="0"/>
+        </a:xfrm>
+      </p:grpSpPr>
+      <p:grpSp>
+        <p:nvGrpSpPr>
+          <p:cNvPr id="24" name="그룹 23"/>
+          <p:cNvGrpSpPr/>
+          <p:nvPr/>
+        </p:nvGrpSpPr>
+        <p:grpSpPr>
+          <a:xfrm>
+            <a:off x="864994" y="1963527"/>
+            <a:ext cx="10126856" cy="1464326"/>
+            <a:chOff x="864994" y="3677007"/>
+            <a:chExt cx="10126856" cy="1464326"/>
+          </a:xfrm>
+        </p:grpSpPr>
+        <p:sp>
+          <p:nvSpPr>
+            <p:cNvPr id="25" name="TextBox 24"/>
+            <p:cNvSpPr txBox="1"/>
+            <p:nvPr/>
+          </p:nvSpPr>
+          <p:spPr>
+            <a:xfrm>
+              <a:off x="864994" y="3874717"/>
+              <a:ext cx="1090298" cy="369332"/>
+            </a:xfrm>
+            <a:prstGeom prst="rect">
+              <a:avLst/>
+            </a:prstGeom>
+            <a:noFill/>
+          </p:spPr>
+          <p:txBody>
+            <a:bodyPr wrap="none" rtlCol="0">
+              <a:spAutoFit/>
+            </a:bodyPr>
+            <a:lstStyle/>
+            <a:p>
+              <a:pPr marL="285750" indent="-285750">
+                <a:buFont typeface="Arial" panose="020B0604020202020204" pitchFamily="34" charset="0"/>
+                <a:buChar char="•"/>
+              </a:pPr>
+              <a:r>
+                <a:rPr lang="en-US" altLang="ko-KR" dirty="0"/>
+                <a:t>From</a:t>
+              </a:r>
+              <a:r>
+                <a:rPr lang="ko-KR" altLang="en-US" dirty="0"/>
+                <a:t> </a:t>
+              </a:r>
+              <a:endParaRPr lang="ko-KR" altLang="en-US" dirty="0"/>
+            </a:p>
+          </p:txBody>
+        </p:sp>
+        <p:pic>
+          <p:nvPicPr>
+            <p:cNvPr id="26" name="그림 25"/>
+            <p:cNvPicPr>
+              <a:picLocks noChangeAspect="1"/>
+            </p:cNvPicPr>
+            <p:nvPr/>
+          </p:nvPicPr>
+          <p:blipFill rotWithShape="1">
+            <a:blip r:embed="rId2" cstate="print">
+              <a:extLst>
+                <a:ext uri="{28A0092B-C50C-407E-A947-70E740481C1C}">
+                  <a14:useLocalDpi xmlns:a14="http://schemas.microsoft.com/office/drawing/2010/main" val="0"/>
+                </a:ext>
+              </a:extLst>
+            </a:blip>
+            <a:srcRect r="20895"/>
+            <a:stretch/>
+          </p:blipFill>
+          <p:spPr>
+            <a:xfrm>
+              <a:off x="9281476" y="3677007"/>
+              <a:ext cx="1710374" cy="1440000"/>
+            </a:xfrm>
+            <a:prstGeom prst="rect">
+              <a:avLst/>
+            </a:prstGeom>
+          </p:spPr>
+        </p:pic>
+        <p:pic>
+          <p:nvPicPr>
+            <p:cNvPr id="27" name="그림 26"/>
+            <p:cNvPicPr>
+              <a:picLocks noChangeAspect="1"/>
+            </p:cNvPicPr>
+            <p:nvPr/>
+          </p:nvPicPr>
+          <p:blipFill rotWithShape="1">
+            <a:blip r:embed="rId3" cstate="print">
+              <a:extLst>
+                <a:ext uri="{28A0092B-C50C-407E-A947-70E740481C1C}">
+                  <a14:useLocalDpi xmlns:a14="http://schemas.microsoft.com/office/drawing/2010/main" val="0"/>
+                </a:ext>
+              </a:extLst>
+            </a:blip>
+            <a:srcRect l="7720" r="7720"/>
+            <a:stretch/>
+          </p:blipFill>
+          <p:spPr>
+            <a:xfrm>
+              <a:off x="7010481" y="3701333"/>
+              <a:ext cx="1833830" cy="1440000"/>
+            </a:xfrm>
+            <a:prstGeom prst="rect">
+              <a:avLst/>
+            </a:prstGeom>
+          </p:spPr>
+        </p:pic>
+        <p:pic>
+          <p:nvPicPr>
+            <p:cNvPr id="28" name="그림 27"/>
+            <p:cNvPicPr>
+              <a:picLocks noChangeAspect="1"/>
+            </p:cNvPicPr>
+            <p:nvPr/>
+          </p:nvPicPr>
+          <p:blipFill rotWithShape="1">
+            <a:blip r:embed="rId4" cstate="print">
+              <a:extLst>
+                <a:ext uri="{28A0092B-C50C-407E-A947-70E740481C1C}">
+                  <a14:useLocalDpi xmlns:a14="http://schemas.microsoft.com/office/drawing/2010/main" val="0"/>
+                </a:ext>
+              </a:extLst>
+            </a:blip>
+            <a:srcRect l="14103" r="14103"/>
+            <a:stretch/>
+          </p:blipFill>
+          <p:spPr>
+            <a:xfrm>
+              <a:off x="4919195" y="3677007"/>
+              <a:ext cx="1561676" cy="1440000"/>
+            </a:xfrm>
+            <a:prstGeom prst="rect">
+              <a:avLst/>
+            </a:prstGeom>
+          </p:spPr>
+        </p:pic>
+        <p:pic>
+          <p:nvPicPr>
+            <p:cNvPr id="30" name="그림 29"/>
+            <p:cNvPicPr>
+              <a:picLocks noChangeAspect="1"/>
+            </p:cNvPicPr>
+            <p:nvPr/>
+          </p:nvPicPr>
+          <p:blipFill>
+            <a:blip r:embed="rId5" cstate="print">
+              <a:extLst>
+                <a:ext uri="{28A0092B-C50C-407E-A947-70E740481C1C}">
+                  <a14:useLocalDpi xmlns:a14="http://schemas.microsoft.com/office/drawing/2010/main" val="0"/>
+                </a:ext>
+              </a:extLst>
+            </a:blip>
+            <a:stretch>
+              <a:fillRect/>
+            </a:stretch>
+          </p:blipFill>
+          <p:spPr>
+            <a:xfrm>
+              <a:off x="2891118" y="3701333"/>
+              <a:ext cx="1377990" cy="1440000"/>
+            </a:xfrm>
+            <a:prstGeom prst="rect">
+              <a:avLst/>
+            </a:prstGeom>
+          </p:spPr>
+        </p:pic>
+        <p:sp>
+          <p:nvSpPr>
+            <p:cNvPr id="32" name="TextBox 31"/>
+            <p:cNvSpPr txBox="1"/>
+            <p:nvPr/>
+          </p:nvSpPr>
+          <p:spPr>
+            <a:xfrm>
+              <a:off x="1044332" y="4310494"/>
+              <a:ext cx="1298945" cy="338554"/>
+            </a:xfrm>
+            <a:prstGeom prst="rect">
+              <a:avLst/>
+            </a:prstGeom>
+            <a:noFill/>
+          </p:spPr>
+          <p:txBody>
+            <a:bodyPr wrap="none" rtlCol="0">
+              <a:spAutoFit/>
+            </a:bodyPr>
+            <a:lstStyle/>
+            <a:p>
+              <a:r>
+                <a:rPr lang="en-US" altLang="ko-KR" sz="1600" dirty="0" smtClean="0">
+                  <a:solidFill>
+                    <a:schemeClr val="accent2">
+                      <a:lumMod val="75000"/>
+                    </a:schemeClr>
+                  </a:solidFill>
+                </a:rPr>
+                <a:t>Coordinates</a:t>
+              </a:r>
+              <a:endParaRPr lang="ko-KR" altLang="en-US" sz="1600" dirty="0">
+                <a:solidFill>
+                  <a:schemeClr val="accent2">
+                    <a:lumMod val="75000"/>
+                  </a:schemeClr>
+                </a:solidFill>
+              </a:endParaRPr>
+            </a:p>
+          </p:txBody>
+        </p:sp>
+      </p:grpSp>
+      <p:sp>
+        <p:nvSpPr>
+          <p:cNvPr id="31" name="TextBox 30"/>
+          <p:cNvSpPr txBox="1"/>
+          <p:nvPr/>
+        </p:nvSpPr>
+        <p:spPr>
+          <a:xfrm>
+            <a:off x="526074" y="206196"/>
+            <a:ext cx="8353954" cy="1726627"/>
+          </a:xfrm>
+          <a:prstGeom prst="rect">
+            <a:avLst/>
+          </a:prstGeom>
+          <a:noFill/>
+        </p:spPr>
+        <p:txBody>
+          <a:bodyPr wrap="none" rtlCol="0">
+            <a:spAutoFit/>
+          </a:bodyPr>
+          <a:lstStyle/>
+          <a:p>
+            <a:pPr>
+              <a:lnSpc>
+                <a:spcPct val="150000"/>
+              </a:lnSpc>
+            </a:pPr>
+            <a:r>
+              <a:rPr lang="en-US" altLang="ko-KR" sz="2400" dirty="0" smtClean="0"/>
+              <a:t>3. Extracting landmarks of image (for image </a:t>
+            </a:r>
+            <a:r>
+              <a:rPr lang="en-US" altLang="ko-KR" sz="2400" dirty="0" err="1" smtClean="0"/>
+              <a:t>segmentaion</a:t>
+            </a:r>
+            <a:r>
+              <a:rPr lang="en-US" altLang="ko-KR" sz="2400" dirty="0" smtClean="0"/>
+              <a:t>)</a:t>
+            </a:r>
+            <a:endParaRPr lang="en-US" altLang="ko-KR" dirty="0" smtClean="0"/>
+          </a:p>
+          <a:p>
+            <a:pPr>
+              <a:lnSpc>
+                <a:spcPct val="150000"/>
+              </a:lnSpc>
+            </a:pPr>
+            <a:r>
+              <a:rPr lang="en-US" altLang="ko-KR" dirty="0"/>
+              <a:t> </a:t>
+            </a:r>
+            <a:r>
+              <a:rPr lang="en-US" altLang="ko-KR" dirty="0" smtClean="0"/>
+              <a:t>  - </a:t>
+            </a:r>
+            <a:r>
+              <a:rPr lang="ko-KR" altLang="en-US" dirty="0" smtClean="0"/>
+              <a:t>좌표와 얼굴 크기를 </a:t>
+            </a:r>
+            <a:r>
+              <a:rPr lang="ko-KR" altLang="en-US" dirty="0" smtClean="0"/>
+              <a:t>기반으로 눈</a:t>
+            </a:r>
+            <a:r>
+              <a:rPr lang="en-US" altLang="ko-KR" dirty="0" smtClean="0"/>
+              <a:t>, </a:t>
+            </a:r>
+            <a:r>
+              <a:rPr lang="ko-KR" altLang="en-US" dirty="0" smtClean="0"/>
+              <a:t>코</a:t>
+            </a:r>
+            <a:r>
+              <a:rPr lang="en-US" altLang="ko-KR" dirty="0" smtClean="0"/>
+              <a:t>, </a:t>
+            </a:r>
+            <a:r>
+              <a:rPr lang="ko-KR" altLang="en-US" dirty="0" smtClean="0"/>
+              <a:t>입만 따로 추출</a:t>
+            </a:r>
+            <a:endParaRPr lang="en-US" altLang="ko-KR" dirty="0" smtClean="0"/>
+          </a:p>
+          <a:p>
+            <a:pPr>
+              <a:lnSpc>
+                <a:spcPct val="120000"/>
+              </a:lnSpc>
+            </a:pPr>
+            <a:r>
+              <a:rPr lang="en-US" altLang="ko-KR" dirty="0"/>
+              <a:t> </a:t>
+            </a:r>
+            <a:r>
+              <a:rPr lang="en-US" altLang="ko-KR" dirty="0" smtClean="0"/>
+              <a:t>  </a:t>
+            </a:r>
+            <a:r>
+              <a:rPr lang="en-US" altLang="ko-KR" dirty="0" smtClean="0"/>
+              <a:t>- </a:t>
+            </a:r>
+            <a:r>
+              <a:rPr lang="ko-KR" altLang="en-US" dirty="0" smtClean="0"/>
+              <a:t>각 </a:t>
+            </a:r>
+            <a:r>
+              <a:rPr lang="ko-KR" altLang="en-US" dirty="0" err="1" smtClean="0"/>
+              <a:t>랜드마크별</a:t>
+            </a:r>
+            <a:r>
+              <a:rPr lang="ko-KR" altLang="en-US" dirty="0" smtClean="0"/>
+              <a:t> 부분 </a:t>
+            </a:r>
+            <a:r>
+              <a:rPr lang="ko-KR" altLang="en-US" dirty="0" err="1" smtClean="0"/>
+              <a:t>세그멘테이션을</a:t>
+            </a:r>
+            <a:r>
+              <a:rPr lang="ko-KR" altLang="en-US" dirty="0" smtClean="0"/>
+              <a:t> 위해 이미지 자르고 저장하는 </a:t>
+            </a:r>
+            <a:r>
+              <a:rPr lang="ko-KR" altLang="en-US" dirty="0" err="1" smtClean="0"/>
+              <a:t>코드구현</a:t>
+            </a:r>
+            <a:endParaRPr lang="en-US" altLang="ko-KR" dirty="0" smtClean="0"/>
+          </a:p>
+          <a:p>
+            <a:pPr>
+              <a:lnSpc>
+                <a:spcPct val="120000"/>
+              </a:lnSpc>
+            </a:pPr>
+            <a:r>
+              <a:rPr lang="en-US" altLang="ko-KR" dirty="0" smtClean="0"/>
+              <a:t>   -</a:t>
+            </a:r>
+            <a:r>
+              <a:rPr lang="ko-KR" altLang="en-US" dirty="0" smtClean="0"/>
+              <a:t> 데이터 셋을 만드는 효과적인 방법으로서 활용 가능</a:t>
+            </a:r>
+            <a:endParaRPr lang="en-US" altLang="ko-KR" dirty="0" smtClean="0"/>
+          </a:p>
+        </p:txBody>
+      </p:sp>
+      <p:grpSp>
+        <p:nvGrpSpPr>
+          <p:cNvPr id="7" name="그룹 6"/>
+          <p:cNvGrpSpPr/>
+          <p:nvPr/>
+        </p:nvGrpSpPr>
+        <p:grpSpPr>
+          <a:xfrm>
+            <a:off x="864994" y="3561111"/>
+            <a:ext cx="10107807" cy="1465922"/>
+            <a:chOff x="864994" y="3561111"/>
+            <a:chExt cx="10107807" cy="1465922"/>
+          </a:xfrm>
+        </p:grpSpPr>
+        <p:pic>
+          <p:nvPicPr>
+            <p:cNvPr id="3" name="그림 2"/>
+            <p:cNvPicPr>
+              <a:picLocks noChangeAspect="1"/>
+            </p:cNvPicPr>
+            <p:nvPr/>
+          </p:nvPicPr>
+          <p:blipFill rotWithShape="1">
+            <a:blip r:embed="rId6" cstate="print">
+              <a:extLst>
+                <a:ext uri="{28A0092B-C50C-407E-A947-70E740481C1C}">
+                  <a14:useLocalDpi xmlns:a14="http://schemas.microsoft.com/office/drawing/2010/main" val="0"/>
+                </a:ext>
+              </a:extLst>
+            </a:blip>
+            <a:srcRect r="22191"/>
+            <a:stretch/>
+          </p:blipFill>
+          <p:spPr>
+            <a:xfrm>
+              <a:off x="9290437" y="3561111"/>
+              <a:ext cx="1682364" cy="1440000"/>
+            </a:xfrm>
+            <a:prstGeom prst="rect">
+              <a:avLst/>
+            </a:prstGeom>
+          </p:spPr>
+        </p:pic>
+        <p:pic>
+          <p:nvPicPr>
+            <p:cNvPr id="2" name="그림 1"/>
+            <p:cNvPicPr>
+              <a:picLocks noChangeAspect="1"/>
+            </p:cNvPicPr>
+            <p:nvPr/>
+          </p:nvPicPr>
+          <p:blipFill>
+            <a:blip r:embed="rId7" cstate="print">
+              <a:extLst>
+                <a:ext uri="{28A0092B-C50C-407E-A947-70E740481C1C}">
+                  <a14:useLocalDpi xmlns:a14="http://schemas.microsoft.com/office/drawing/2010/main" val="0"/>
+                </a:ext>
+              </a:extLst>
+            </a:blip>
+            <a:stretch>
+              <a:fillRect/>
+            </a:stretch>
+          </p:blipFill>
+          <p:spPr>
+            <a:xfrm>
+              <a:off x="2891117" y="3587033"/>
+              <a:ext cx="1377991" cy="1440000"/>
+            </a:xfrm>
+            <a:prstGeom prst="rect">
+              <a:avLst/>
+            </a:prstGeom>
+          </p:spPr>
+        </p:pic>
+        <p:pic>
+          <p:nvPicPr>
+            <p:cNvPr id="4" name="그림 3"/>
+            <p:cNvPicPr>
+              <a:picLocks noChangeAspect="1"/>
+            </p:cNvPicPr>
+            <p:nvPr/>
+          </p:nvPicPr>
+          <p:blipFill rotWithShape="1">
+            <a:blip r:embed="rId8" cstate="print">
+              <a:extLst>
+                <a:ext uri="{28A0092B-C50C-407E-A947-70E740481C1C}">
+                  <a14:useLocalDpi xmlns:a14="http://schemas.microsoft.com/office/drawing/2010/main" val="0"/>
+                </a:ext>
+              </a:extLst>
+            </a:blip>
+            <a:srcRect l="8030" r="8030"/>
+            <a:stretch/>
+          </p:blipFill>
+          <p:spPr>
+            <a:xfrm>
+              <a:off x="7000323" y="3587033"/>
+              <a:ext cx="1820404" cy="1440000"/>
+            </a:xfrm>
+            <a:prstGeom prst="rect">
+              <a:avLst/>
+            </a:prstGeom>
+          </p:spPr>
+        </p:pic>
+        <p:grpSp>
+          <p:nvGrpSpPr>
+            <p:cNvPr id="53" name="그룹 52"/>
+            <p:cNvGrpSpPr/>
+            <p:nvPr/>
+          </p:nvGrpSpPr>
+          <p:grpSpPr>
+            <a:xfrm>
+              <a:off x="864994" y="3760417"/>
+              <a:ext cx="1938544" cy="1020552"/>
+              <a:chOff x="864994" y="3874717"/>
+              <a:chExt cx="1938544" cy="1020552"/>
+            </a:xfrm>
+          </p:grpSpPr>
+          <p:sp>
+            <p:nvSpPr>
+              <p:cNvPr id="29" name="TextBox 28"/>
+              <p:cNvSpPr txBox="1"/>
+              <p:nvPr/>
+            </p:nvSpPr>
+            <p:spPr>
+              <a:xfrm>
+                <a:off x="864994" y="3874717"/>
+                <a:ext cx="1938544" cy="369332"/>
+              </a:xfrm>
+              <a:prstGeom prst="rect">
+                <a:avLst/>
+              </a:prstGeom>
+              <a:noFill/>
+            </p:spPr>
+            <p:txBody>
+              <a:bodyPr wrap="none" rtlCol="0">
+                <a:spAutoFit/>
+              </a:bodyPr>
+              <a:lstStyle/>
+              <a:p>
+                <a:pPr marL="285750" indent="-285750">
+                  <a:buFont typeface="Arial" panose="020B0604020202020204" pitchFamily="34" charset="0"/>
+                  <a:buChar char="•"/>
+                </a:pPr>
+                <a:r>
+                  <a:rPr lang="en-US" altLang="ko-KR" dirty="0"/>
+                  <a:t>Bounding Box</a:t>
+                </a:r>
+                <a:endParaRPr lang="ko-KR" altLang="en-US" dirty="0"/>
+              </a:p>
+            </p:txBody>
+          </p:sp>
+          <p:sp>
+            <p:nvSpPr>
+              <p:cNvPr id="49" name="TextBox 48"/>
+              <p:cNvSpPr txBox="1"/>
+              <p:nvPr/>
+            </p:nvSpPr>
+            <p:spPr>
+              <a:xfrm>
+                <a:off x="1044332" y="4310494"/>
+                <a:ext cx="1494833" cy="584775"/>
+              </a:xfrm>
+              <a:prstGeom prst="rect">
+                <a:avLst/>
+              </a:prstGeom>
+              <a:noFill/>
+            </p:spPr>
+            <p:txBody>
+              <a:bodyPr wrap="none" rtlCol="0">
+                <a:spAutoFit/>
+              </a:bodyPr>
+              <a:lstStyle/>
+              <a:p>
+                <a:r>
+                  <a:rPr lang="en-US" altLang="ko-KR" sz="1600" dirty="0">
+                    <a:solidFill>
+                      <a:schemeClr val="accent2">
+                        <a:lumMod val="75000"/>
+                      </a:schemeClr>
+                    </a:solidFill>
+                  </a:rPr>
+                  <a:t>Bounding box</a:t>
+                </a:r>
+              </a:p>
+              <a:p>
+                <a:r>
+                  <a:rPr lang="en-US" altLang="ko-KR" sz="1600" dirty="0">
+                    <a:solidFill>
+                      <a:schemeClr val="accent2">
+                        <a:lumMod val="75000"/>
+                      </a:schemeClr>
+                    </a:solidFill>
+                  </a:rPr>
+                  <a:t>by Landmarks</a:t>
+                </a:r>
+                <a:endParaRPr lang="en-US" altLang="ko-KR" sz="1600" dirty="0">
+                  <a:solidFill>
+                    <a:schemeClr val="accent2">
+                      <a:lumMod val="75000"/>
+                    </a:schemeClr>
+                  </a:solidFill>
+                </a:endParaRPr>
+              </a:p>
+            </p:txBody>
+          </p:sp>
+        </p:grpSp>
+        <p:pic>
+          <p:nvPicPr>
+            <p:cNvPr id="5" name="그림 4"/>
+            <p:cNvPicPr>
+              <a:picLocks noChangeAspect="1"/>
+            </p:cNvPicPr>
+            <p:nvPr/>
+          </p:nvPicPr>
+          <p:blipFill rotWithShape="1">
+            <a:blip r:embed="rId9" cstate="print">
+              <a:extLst>
+                <a:ext uri="{28A0092B-C50C-407E-A947-70E740481C1C}">
+                  <a14:useLocalDpi xmlns:a14="http://schemas.microsoft.com/office/drawing/2010/main" val="0"/>
+                </a:ext>
+              </a:extLst>
+            </a:blip>
+            <a:srcRect l="14167" r="14167"/>
+            <a:stretch/>
+          </p:blipFill>
+          <p:spPr>
+            <a:xfrm>
+              <a:off x="4912237" y="3561111"/>
+              <a:ext cx="1558928" cy="1440000"/>
+            </a:xfrm>
+            <a:prstGeom prst="rect">
+              <a:avLst/>
+            </a:prstGeom>
+          </p:spPr>
+        </p:pic>
+      </p:grpSp>
+      <p:grpSp>
+        <p:nvGrpSpPr>
+          <p:cNvPr id="6" name="그룹 5"/>
+          <p:cNvGrpSpPr/>
+          <p:nvPr/>
+        </p:nvGrpSpPr>
+        <p:grpSpPr>
+          <a:xfrm>
+            <a:off x="864994" y="5179996"/>
+            <a:ext cx="10004452" cy="1450641"/>
+            <a:chOff x="864994" y="5179996"/>
+            <a:chExt cx="10004452" cy="1450641"/>
+          </a:xfrm>
+        </p:grpSpPr>
+        <p:grpSp>
+          <p:nvGrpSpPr>
+            <p:cNvPr id="43" name="그룹 42"/>
+            <p:cNvGrpSpPr>
+              <a:grpSpLocks noChangeAspect="1"/>
+            </p:cNvGrpSpPr>
+            <p:nvPr/>
+          </p:nvGrpSpPr>
+          <p:grpSpPr>
+            <a:xfrm>
+              <a:off x="7255198" y="5179996"/>
+              <a:ext cx="1305166" cy="1440000"/>
+              <a:chOff x="4402327" y="877192"/>
+              <a:chExt cx="5511979" cy="6081410"/>
+            </a:xfrm>
+          </p:grpSpPr>
+          <p:pic>
+            <p:nvPicPr>
+              <p:cNvPr id="48" name="그림 47"/>
+              <p:cNvPicPr>
+                <a:picLocks noChangeAspect="1"/>
+              </p:cNvPicPr>
+              <p:nvPr/>
+            </p:nvPicPr>
+            <p:blipFill>
+              <a:blip r:embed="rId10" cstate="print">
+                <a:extLst>
+                  <a:ext uri="{28A0092B-C50C-407E-A947-70E740481C1C}">
+                    <a14:useLocalDpi xmlns:a14="http://schemas.microsoft.com/office/drawing/2010/main" val="0"/>
+                  </a:ext>
+                </a:extLst>
+              </a:blip>
+              <a:stretch>
+                <a:fillRect/>
+              </a:stretch>
+            </p:blipFill>
+            <p:spPr>
+              <a:xfrm>
+                <a:off x="5497702" y="3939628"/>
+                <a:ext cx="1304925" cy="1304925"/>
+              </a:xfrm>
+              <a:prstGeom prst="rect">
+                <a:avLst/>
+              </a:prstGeom>
+            </p:spPr>
+          </p:pic>
+          <p:pic>
+            <p:nvPicPr>
+              <p:cNvPr id="55" name="그림 54"/>
+              <p:cNvPicPr>
+                <a:picLocks noChangeAspect="1"/>
+              </p:cNvPicPr>
+              <p:nvPr/>
+            </p:nvPicPr>
+            <p:blipFill>
+              <a:blip r:embed="rId11" cstate="print">
+                <a:extLst>
+                  <a:ext uri="{28A0092B-C50C-407E-A947-70E740481C1C}">
+                    <a14:useLocalDpi xmlns:a14="http://schemas.microsoft.com/office/drawing/2010/main" val="0"/>
+                  </a:ext>
+                </a:extLst>
+              </a:blip>
+              <a:stretch>
+                <a:fillRect/>
+              </a:stretch>
+            </p:blipFill>
+            <p:spPr>
+              <a:xfrm>
+                <a:off x="7771181" y="3898400"/>
+                <a:ext cx="1304925" cy="1304925"/>
+              </a:xfrm>
+              <a:prstGeom prst="rect">
+                <a:avLst/>
+              </a:prstGeom>
+            </p:spPr>
+          </p:pic>
+          <p:pic>
+            <p:nvPicPr>
+              <p:cNvPr id="56" name="그림 55"/>
+              <p:cNvPicPr>
+                <a:picLocks noChangeAspect="1"/>
+              </p:cNvPicPr>
+              <p:nvPr/>
+            </p:nvPicPr>
+            <p:blipFill>
+              <a:blip r:embed="rId12" cstate="print">
+                <a:extLst>
+                  <a:ext uri="{28A0092B-C50C-407E-A947-70E740481C1C}">
+                    <a14:useLocalDpi xmlns:a14="http://schemas.microsoft.com/office/drawing/2010/main" val="0"/>
+                  </a:ext>
+                </a:extLst>
+              </a:blip>
+              <a:stretch>
+                <a:fillRect/>
+              </a:stretch>
+            </p:blipFill>
+            <p:spPr>
+              <a:xfrm>
+                <a:off x="6607369" y="5329827"/>
+                <a:ext cx="1628775" cy="1628775"/>
+              </a:xfrm>
+              <a:prstGeom prst="rect">
+                <a:avLst/>
+              </a:prstGeom>
+            </p:spPr>
+          </p:pic>
+          <p:pic>
+            <p:nvPicPr>
+              <p:cNvPr id="57" name="그림 56"/>
+              <p:cNvPicPr>
+                <a:picLocks noChangeAspect="1"/>
+              </p:cNvPicPr>
+              <p:nvPr/>
+            </p:nvPicPr>
+            <p:blipFill>
+              <a:blip r:embed="rId13" cstate="print">
+                <a:extLst>
+                  <a:ext uri="{28A0092B-C50C-407E-A947-70E740481C1C}">
+                    <a14:useLocalDpi xmlns:a14="http://schemas.microsoft.com/office/drawing/2010/main" val="0"/>
+                  </a:ext>
+                </a:extLst>
+              </a:blip>
+              <a:stretch>
+                <a:fillRect/>
+              </a:stretch>
+            </p:blipFill>
+            <p:spPr>
+              <a:xfrm>
+                <a:off x="4402327" y="877192"/>
+                <a:ext cx="2428875" cy="2933700"/>
+              </a:xfrm>
+              <a:prstGeom prst="rect">
+                <a:avLst/>
+              </a:prstGeom>
+            </p:spPr>
+          </p:pic>
+          <p:pic>
+            <p:nvPicPr>
+              <p:cNvPr id="58" name="그림 57"/>
+              <p:cNvPicPr>
+                <a:picLocks noChangeAspect="1"/>
+              </p:cNvPicPr>
+              <p:nvPr/>
+            </p:nvPicPr>
+            <p:blipFill>
+              <a:blip r:embed="rId14" cstate="print">
+                <a:extLst>
+                  <a:ext uri="{28A0092B-C50C-407E-A947-70E740481C1C}">
+                    <a14:useLocalDpi xmlns:a14="http://schemas.microsoft.com/office/drawing/2010/main" val="0"/>
+                  </a:ext>
+                </a:extLst>
+              </a:blip>
+              <a:stretch>
+                <a:fillRect/>
+              </a:stretch>
+            </p:blipFill>
+            <p:spPr>
+              <a:xfrm>
+                <a:off x="7771181" y="1409698"/>
+                <a:ext cx="2143125" cy="2143125"/>
+              </a:xfrm>
+              <a:prstGeom prst="rect">
+                <a:avLst/>
+              </a:prstGeom>
+            </p:spPr>
+          </p:pic>
+        </p:grpSp>
+        <p:grpSp>
+          <p:nvGrpSpPr>
+            <p:cNvPr id="59" name="그룹 58"/>
+            <p:cNvGrpSpPr>
+              <a:grpSpLocks noChangeAspect="1"/>
+            </p:cNvGrpSpPr>
+            <p:nvPr/>
+          </p:nvGrpSpPr>
+          <p:grpSpPr>
+            <a:xfrm>
+              <a:off x="5062308" y="5187270"/>
+              <a:ext cx="1328458" cy="1440000"/>
+              <a:chOff x="242888" y="1228724"/>
+              <a:chExt cx="3643308" cy="4301127"/>
+            </a:xfrm>
+          </p:grpSpPr>
+          <p:pic>
+            <p:nvPicPr>
+              <p:cNvPr id="60" name="그림 59"/>
+              <p:cNvPicPr>
+                <a:picLocks noChangeAspect="1"/>
+              </p:cNvPicPr>
+              <p:nvPr/>
+            </p:nvPicPr>
+            <p:blipFill>
+              <a:blip r:embed="rId15" cstate="print">
+                <a:extLst>
+                  <a:ext uri="{28A0092B-C50C-407E-A947-70E740481C1C}">
+                    <a14:useLocalDpi xmlns:a14="http://schemas.microsoft.com/office/drawing/2010/main" val="0"/>
+                  </a:ext>
+                </a:extLst>
+              </a:blip>
+              <a:stretch>
+                <a:fillRect/>
+              </a:stretch>
+            </p:blipFill>
+            <p:spPr>
+              <a:xfrm>
+                <a:off x="804861" y="3465013"/>
+                <a:ext cx="866775" cy="866775"/>
+              </a:xfrm>
+              <a:prstGeom prst="rect">
+                <a:avLst/>
+              </a:prstGeom>
+            </p:spPr>
+          </p:pic>
+          <p:pic>
+            <p:nvPicPr>
+              <p:cNvPr id="61" name="그림 60"/>
+              <p:cNvPicPr>
+                <a:picLocks noChangeAspect="1"/>
+              </p:cNvPicPr>
+              <p:nvPr/>
+            </p:nvPicPr>
+            <p:blipFill>
+              <a:blip r:embed="rId16" cstate="print">
+                <a:extLst>
+                  <a:ext uri="{28A0092B-C50C-407E-A947-70E740481C1C}">
+                    <a14:useLocalDpi xmlns:a14="http://schemas.microsoft.com/office/drawing/2010/main" val="0"/>
+                  </a:ext>
+                </a:extLst>
+              </a:blip>
+              <a:stretch>
+                <a:fillRect/>
+              </a:stretch>
+            </p:blipFill>
+            <p:spPr>
+              <a:xfrm>
+                <a:off x="2303551" y="3424528"/>
+                <a:ext cx="866775" cy="866775"/>
+              </a:xfrm>
+              <a:prstGeom prst="rect">
+                <a:avLst/>
+              </a:prstGeom>
+            </p:spPr>
+          </p:pic>
+          <p:pic>
+            <p:nvPicPr>
+              <p:cNvPr id="62" name="그림 61"/>
+              <p:cNvPicPr>
+                <a:picLocks noChangeAspect="1"/>
+              </p:cNvPicPr>
+              <p:nvPr/>
+            </p:nvPicPr>
+            <p:blipFill>
+              <a:blip r:embed="rId17" cstate="print">
+                <a:extLst>
+                  <a:ext uri="{28A0092B-C50C-407E-A947-70E740481C1C}">
+                    <a14:useLocalDpi xmlns:a14="http://schemas.microsoft.com/office/drawing/2010/main" val="0"/>
+                  </a:ext>
+                </a:extLst>
+              </a:blip>
+              <a:stretch>
+                <a:fillRect/>
+              </a:stretch>
+            </p:blipFill>
+            <p:spPr>
+              <a:xfrm>
+                <a:off x="1444228" y="4453526"/>
+                <a:ext cx="1076325" cy="1076325"/>
+              </a:xfrm>
+              <a:prstGeom prst="rect">
+                <a:avLst/>
+              </a:prstGeom>
+            </p:spPr>
+          </p:pic>
+          <p:pic>
+            <p:nvPicPr>
+              <p:cNvPr id="63" name="그림 62"/>
+              <p:cNvPicPr>
+                <a:picLocks noChangeAspect="1"/>
+              </p:cNvPicPr>
+              <p:nvPr/>
+            </p:nvPicPr>
+            <p:blipFill>
+              <a:blip r:embed="rId18" cstate="print">
+                <a:extLst>
+                  <a:ext uri="{28A0092B-C50C-407E-A947-70E740481C1C}">
+                    <a14:useLocalDpi xmlns:a14="http://schemas.microsoft.com/office/drawing/2010/main" val="0"/>
+                  </a:ext>
+                </a:extLst>
+              </a:blip>
+              <a:stretch>
+                <a:fillRect/>
+              </a:stretch>
+            </p:blipFill>
+            <p:spPr>
+              <a:xfrm>
+                <a:off x="242888" y="1471612"/>
+                <a:ext cx="1457325" cy="1885950"/>
+              </a:xfrm>
+              <a:prstGeom prst="rect">
+                <a:avLst/>
+              </a:prstGeom>
+            </p:spPr>
+          </p:pic>
+          <p:pic>
+            <p:nvPicPr>
+              <p:cNvPr id="64" name="그림 63"/>
+              <p:cNvPicPr>
+                <a:picLocks noChangeAspect="1"/>
+              </p:cNvPicPr>
+              <p:nvPr/>
+            </p:nvPicPr>
+            <p:blipFill>
+              <a:blip r:embed="rId19" cstate="print">
+                <a:extLst>
+                  <a:ext uri="{28A0092B-C50C-407E-A947-70E740481C1C}">
+                    <a14:useLocalDpi xmlns:a14="http://schemas.microsoft.com/office/drawing/2010/main" val="0"/>
+                  </a:ext>
+                </a:extLst>
+              </a:blip>
+              <a:stretch>
+                <a:fillRect/>
+              </a:stretch>
+            </p:blipFill>
+            <p:spPr>
+              <a:xfrm>
+                <a:off x="2285996" y="1228724"/>
+                <a:ext cx="1600200" cy="2066925"/>
+              </a:xfrm>
+              <a:prstGeom prst="rect">
+                <a:avLst/>
+              </a:prstGeom>
+            </p:spPr>
+          </p:pic>
+        </p:grpSp>
+        <p:grpSp>
+          <p:nvGrpSpPr>
+            <p:cNvPr id="65" name="그룹 64"/>
+            <p:cNvGrpSpPr>
+              <a:grpSpLocks noChangeAspect="1"/>
+            </p:cNvGrpSpPr>
+            <p:nvPr/>
+          </p:nvGrpSpPr>
+          <p:grpSpPr>
+            <a:xfrm>
+              <a:off x="2940833" y="5186213"/>
+              <a:ext cx="1278558" cy="1440000"/>
+              <a:chOff x="5064992" y="100011"/>
+              <a:chExt cx="4790964" cy="5395912"/>
+            </a:xfrm>
+          </p:grpSpPr>
+          <p:pic>
+            <p:nvPicPr>
+              <p:cNvPr id="66" name="그림 65"/>
+              <p:cNvPicPr>
+                <a:picLocks noChangeAspect="1"/>
+              </p:cNvPicPr>
+              <p:nvPr/>
+            </p:nvPicPr>
+            <p:blipFill>
+              <a:blip r:embed="rId20" cstate="print">
+                <a:extLst>
+                  <a:ext uri="{28A0092B-C50C-407E-A947-70E740481C1C}">
+                    <a14:useLocalDpi xmlns:a14="http://schemas.microsoft.com/office/drawing/2010/main" val="0"/>
+                  </a:ext>
+                </a:extLst>
+              </a:blip>
+              <a:stretch>
+                <a:fillRect/>
+              </a:stretch>
+            </p:blipFill>
+            <p:spPr>
+              <a:xfrm>
+                <a:off x="6210333" y="3238494"/>
+                <a:ext cx="962025" cy="962025"/>
+              </a:xfrm>
+              <a:prstGeom prst="rect">
+                <a:avLst/>
+              </a:prstGeom>
+            </p:spPr>
+          </p:pic>
+          <p:pic>
+            <p:nvPicPr>
+              <p:cNvPr id="67" name="그림 66"/>
+              <p:cNvPicPr>
+                <a:picLocks noChangeAspect="1"/>
+              </p:cNvPicPr>
+              <p:nvPr/>
+            </p:nvPicPr>
+            <p:blipFill>
+              <a:blip r:embed="rId21" cstate="print">
+                <a:extLst>
+                  <a:ext uri="{28A0092B-C50C-407E-A947-70E740481C1C}">
+                    <a14:useLocalDpi xmlns:a14="http://schemas.microsoft.com/office/drawing/2010/main" val="0"/>
+                  </a:ext>
+                </a:extLst>
+              </a:blip>
+              <a:stretch>
+                <a:fillRect/>
+              </a:stretch>
+            </p:blipFill>
+            <p:spPr>
+              <a:xfrm>
+                <a:off x="8128395" y="3238494"/>
+                <a:ext cx="962025" cy="962025"/>
+              </a:xfrm>
+              <a:prstGeom prst="rect">
+                <a:avLst/>
+              </a:prstGeom>
+            </p:spPr>
+          </p:pic>
+          <p:pic>
+            <p:nvPicPr>
+              <p:cNvPr id="68" name="그림 67"/>
+              <p:cNvPicPr>
+                <a:picLocks noChangeAspect="1"/>
+              </p:cNvPicPr>
+              <p:nvPr/>
+            </p:nvPicPr>
+            <p:blipFill>
+              <a:blip r:embed="rId22" cstate="print">
+                <a:extLst>
+                  <a:ext uri="{28A0092B-C50C-407E-A947-70E740481C1C}">
+                    <a14:useLocalDpi xmlns:a14="http://schemas.microsoft.com/office/drawing/2010/main" val="0"/>
+                  </a:ext>
+                </a:extLst>
+              </a:blip>
+              <a:stretch>
+                <a:fillRect/>
+              </a:stretch>
+            </p:blipFill>
+            <p:spPr>
+              <a:xfrm>
+                <a:off x="7075882" y="4286248"/>
+                <a:ext cx="1209675" cy="1209675"/>
+              </a:xfrm>
+              <a:prstGeom prst="rect">
+                <a:avLst/>
+              </a:prstGeom>
+            </p:spPr>
+          </p:pic>
+          <p:pic>
+            <p:nvPicPr>
+              <p:cNvPr id="69" name="그림 68"/>
+              <p:cNvPicPr>
+                <a:picLocks noChangeAspect="1"/>
+              </p:cNvPicPr>
+              <p:nvPr/>
+            </p:nvPicPr>
+            <p:blipFill>
+              <a:blip r:embed="rId23" cstate="print">
+                <a:extLst>
+                  <a:ext uri="{28A0092B-C50C-407E-A947-70E740481C1C}">
+                    <a14:useLocalDpi xmlns:a14="http://schemas.microsoft.com/office/drawing/2010/main" val="0"/>
+                  </a:ext>
+                </a:extLst>
+              </a:blip>
+              <a:stretch>
+                <a:fillRect/>
+              </a:stretch>
+            </p:blipFill>
+            <p:spPr>
+              <a:xfrm>
+                <a:off x="5064992" y="100011"/>
+                <a:ext cx="2095500" cy="2981325"/>
+              </a:xfrm>
+              <a:prstGeom prst="rect">
+                <a:avLst/>
+              </a:prstGeom>
+            </p:spPr>
+          </p:pic>
+          <p:pic>
+            <p:nvPicPr>
+              <p:cNvPr id="70" name="그림 69"/>
+              <p:cNvPicPr>
+                <a:picLocks noChangeAspect="1"/>
+              </p:cNvPicPr>
+              <p:nvPr/>
+            </p:nvPicPr>
+            <p:blipFill>
+              <a:blip r:embed="rId24" cstate="print">
+                <a:extLst>
+                  <a:ext uri="{28A0092B-C50C-407E-A947-70E740481C1C}">
+                    <a14:useLocalDpi xmlns:a14="http://schemas.microsoft.com/office/drawing/2010/main" val="0"/>
+                  </a:ext>
+                </a:extLst>
+              </a:blip>
+              <a:stretch>
+                <a:fillRect/>
+              </a:stretch>
+            </p:blipFill>
+            <p:spPr>
+              <a:xfrm>
+                <a:off x="7998581" y="180973"/>
+                <a:ext cx="1857375" cy="2819400"/>
+              </a:xfrm>
+              <a:prstGeom prst="rect">
+                <a:avLst/>
+              </a:prstGeom>
+            </p:spPr>
+          </p:pic>
+        </p:grpSp>
+        <p:grpSp>
+          <p:nvGrpSpPr>
+            <p:cNvPr id="54" name="그룹 53"/>
+            <p:cNvGrpSpPr/>
+            <p:nvPr/>
+          </p:nvGrpSpPr>
+          <p:grpSpPr>
+            <a:xfrm>
+              <a:off x="864994" y="5389192"/>
+              <a:ext cx="1938544" cy="1023270"/>
+              <a:chOff x="864994" y="5503492"/>
+              <a:chExt cx="1938544" cy="1023270"/>
+            </a:xfrm>
+          </p:grpSpPr>
+          <p:sp>
+            <p:nvSpPr>
+              <p:cNvPr id="37" name="TextBox 36"/>
+              <p:cNvSpPr txBox="1"/>
+              <p:nvPr/>
+            </p:nvSpPr>
+            <p:spPr>
+              <a:xfrm>
+                <a:off x="864994" y="5503492"/>
+                <a:ext cx="1938544" cy="369332"/>
+              </a:xfrm>
+              <a:prstGeom prst="rect">
+                <a:avLst/>
+              </a:prstGeom>
+              <a:noFill/>
+            </p:spPr>
+            <p:txBody>
+              <a:bodyPr wrap="none" rtlCol="0">
+                <a:spAutoFit/>
+              </a:bodyPr>
+              <a:lstStyle/>
+              <a:p>
+                <a:pPr marL="285750" indent="-285750">
+                  <a:buFont typeface="Arial" panose="020B0604020202020204" pitchFamily="34" charset="0"/>
+                  <a:buChar char="•"/>
+                </a:pPr>
+                <a:r>
+                  <a:rPr lang="en-US" altLang="ko-KR" dirty="0"/>
+                  <a:t>Bounding Box</a:t>
+                </a:r>
+                <a:endParaRPr lang="ko-KR" altLang="en-US" dirty="0"/>
+              </a:p>
+            </p:txBody>
+          </p:sp>
+          <p:sp>
+            <p:nvSpPr>
+              <p:cNvPr id="51" name="TextBox 50"/>
+              <p:cNvSpPr txBox="1"/>
+              <p:nvPr/>
+            </p:nvSpPr>
+            <p:spPr>
+              <a:xfrm>
+                <a:off x="1038847" y="5941987"/>
+                <a:ext cx="1494833" cy="584775"/>
+              </a:xfrm>
+              <a:prstGeom prst="rect">
+                <a:avLst/>
+              </a:prstGeom>
+              <a:noFill/>
+            </p:spPr>
+            <p:txBody>
+              <a:bodyPr wrap="none" rtlCol="0">
+                <a:spAutoFit/>
+              </a:bodyPr>
+              <a:lstStyle/>
+              <a:p>
+                <a:r>
+                  <a:rPr lang="en-US" altLang="ko-KR" sz="1600" dirty="0">
+                    <a:solidFill>
+                      <a:schemeClr val="accent2">
+                        <a:lumMod val="75000"/>
+                      </a:schemeClr>
+                    </a:solidFill>
+                  </a:rPr>
+                  <a:t>Bounding box</a:t>
+                </a:r>
+              </a:p>
+              <a:p>
+                <a:r>
+                  <a:rPr lang="en-US" altLang="ko-KR" sz="1600" dirty="0">
+                    <a:solidFill>
+                      <a:schemeClr val="accent2">
+                        <a:lumMod val="75000"/>
+                      </a:schemeClr>
+                    </a:solidFill>
+                  </a:rPr>
+                  <a:t>by Landmarks</a:t>
+                </a:r>
+                <a:endParaRPr lang="en-US" altLang="ko-KR" sz="1600" dirty="0">
+                  <a:solidFill>
+                    <a:schemeClr val="accent2">
+                      <a:lumMod val="75000"/>
+                    </a:schemeClr>
+                  </a:solidFill>
+                </a:endParaRPr>
+              </a:p>
+            </p:txBody>
+          </p:sp>
+        </p:grpSp>
+        <p:grpSp>
+          <p:nvGrpSpPr>
+            <p:cNvPr id="71" name="그룹 70"/>
+            <p:cNvGrpSpPr>
+              <a:grpSpLocks noChangeAspect="1"/>
+            </p:cNvGrpSpPr>
+            <p:nvPr/>
+          </p:nvGrpSpPr>
+          <p:grpSpPr>
+            <a:xfrm>
+              <a:off x="9393792" y="5190637"/>
+              <a:ext cx="1475654" cy="1440000"/>
+              <a:chOff x="-262542" y="395287"/>
+              <a:chExt cx="4270361" cy="4167182"/>
+            </a:xfrm>
+          </p:grpSpPr>
+          <p:pic>
+            <p:nvPicPr>
+              <p:cNvPr id="72" name="그림 71"/>
+              <p:cNvPicPr>
+                <a:picLocks noChangeAspect="1"/>
+              </p:cNvPicPr>
+              <p:nvPr/>
+            </p:nvPicPr>
+            <p:blipFill>
+              <a:blip r:embed="rId25" cstate="print">
+                <a:extLst>
+                  <a:ext uri="{28A0092B-C50C-407E-A947-70E740481C1C}">
+                    <a14:useLocalDpi xmlns:a14="http://schemas.microsoft.com/office/drawing/2010/main" val="0"/>
+                  </a:ext>
+                </a:extLst>
+              </a:blip>
+              <a:stretch>
+                <a:fillRect/>
+              </a:stretch>
+            </p:blipFill>
+            <p:spPr>
+              <a:xfrm>
+                <a:off x="1467889" y="3238494"/>
+                <a:ext cx="1323975" cy="1323975"/>
+              </a:xfrm>
+              <a:prstGeom prst="rect">
+                <a:avLst/>
+              </a:prstGeom>
+            </p:spPr>
+          </p:pic>
+          <p:pic>
+            <p:nvPicPr>
+              <p:cNvPr id="73" name="그림 72"/>
+              <p:cNvPicPr>
+                <a:picLocks noChangeAspect="1"/>
+              </p:cNvPicPr>
+              <p:nvPr/>
+            </p:nvPicPr>
+            <p:blipFill>
+              <a:blip r:embed="rId26" cstate="print">
+                <a:extLst>
+                  <a:ext uri="{28A0092B-C50C-407E-A947-70E740481C1C}">
+                    <a14:useLocalDpi xmlns:a14="http://schemas.microsoft.com/office/drawing/2010/main" val="0"/>
+                  </a:ext>
+                </a:extLst>
+              </a:blip>
+              <a:stretch>
+                <a:fillRect/>
+              </a:stretch>
+            </p:blipFill>
+            <p:spPr>
+              <a:xfrm>
+                <a:off x="2540969" y="395287"/>
+                <a:ext cx="1466850" cy="1524000"/>
+              </a:xfrm>
+              <a:prstGeom prst="rect">
+                <a:avLst/>
+              </a:prstGeom>
+            </p:spPr>
+          </p:pic>
+          <p:pic>
+            <p:nvPicPr>
+              <p:cNvPr id="74" name="그림 73"/>
+              <p:cNvPicPr>
+                <a:picLocks noChangeAspect="1"/>
+              </p:cNvPicPr>
+              <p:nvPr/>
+            </p:nvPicPr>
+            <p:blipFill>
+              <a:blip r:embed="rId27" cstate="print">
+                <a:extLst>
+                  <a:ext uri="{28A0092B-C50C-407E-A947-70E740481C1C}">
+                    <a14:useLocalDpi xmlns:a14="http://schemas.microsoft.com/office/drawing/2010/main" val="0"/>
+                  </a:ext>
+                </a:extLst>
+              </a:blip>
+              <a:stretch>
+                <a:fillRect/>
+              </a:stretch>
+            </p:blipFill>
+            <p:spPr>
+              <a:xfrm>
+                <a:off x="613758" y="2038351"/>
+                <a:ext cx="1057275" cy="1057275"/>
+              </a:xfrm>
+              <a:prstGeom prst="rect">
+                <a:avLst/>
+              </a:prstGeom>
+            </p:spPr>
+          </p:pic>
+          <p:pic>
+            <p:nvPicPr>
+              <p:cNvPr id="75" name="그림 74"/>
+              <p:cNvPicPr>
+                <a:picLocks noChangeAspect="1"/>
+              </p:cNvPicPr>
+              <p:nvPr/>
+            </p:nvPicPr>
+            <p:blipFill>
+              <a:blip r:embed="rId28" cstate="print">
+                <a:extLst>
+                  <a:ext uri="{28A0092B-C50C-407E-A947-70E740481C1C}">
+                    <a14:useLocalDpi xmlns:a14="http://schemas.microsoft.com/office/drawing/2010/main" val="0"/>
+                  </a:ext>
+                </a:extLst>
+              </a:blip>
+              <a:stretch>
+                <a:fillRect/>
+              </a:stretch>
+            </p:blipFill>
+            <p:spPr>
+              <a:xfrm>
+                <a:off x="2530558" y="2024061"/>
+                <a:ext cx="1057275" cy="1057275"/>
+              </a:xfrm>
+              <a:prstGeom prst="rect">
+                <a:avLst/>
+              </a:prstGeom>
+            </p:spPr>
+          </p:pic>
+          <p:pic>
+            <p:nvPicPr>
+              <p:cNvPr id="76" name="그림 75"/>
+              <p:cNvPicPr>
+                <a:picLocks noChangeAspect="1"/>
+              </p:cNvPicPr>
+              <p:nvPr/>
+            </p:nvPicPr>
+            <p:blipFill>
+              <a:blip r:embed="rId29" cstate="print">
+                <a:extLst>
+                  <a:ext uri="{28A0092B-C50C-407E-A947-70E740481C1C}">
+                    <a14:useLocalDpi xmlns:a14="http://schemas.microsoft.com/office/drawing/2010/main" val="0"/>
+                  </a:ext>
+                </a:extLst>
+              </a:blip>
+              <a:stretch>
+                <a:fillRect/>
+              </a:stretch>
+            </p:blipFill>
+            <p:spPr>
+              <a:xfrm>
+                <a:off x="-262542" y="395287"/>
+                <a:ext cx="1933575" cy="1571625"/>
+              </a:xfrm>
+              <a:prstGeom prst="rect">
+                <a:avLst/>
+              </a:prstGeom>
+            </p:spPr>
+          </p:pic>
+        </p:grpSp>
+      </p:grpSp>
+    </p:spTree>
+    <p:extLst>
+      <p:ext uri="{BB962C8B-B14F-4D97-AF65-F5344CB8AC3E}">
+        <p14:creationId xmlns:p14="http://schemas.microsoft.com/office/powerpoint/2010/main" val="2674725667"/>
+      </p:ext>
+    </p:extLst>
+  </p:cSld>
+  <p:clrMapOvr>
+    <a:masterClrMapping/>
+  </p:clrMapOvr>
+  <p:timing>
+    <p:tnLst>
+      <p:par>
+        <p:cTn id="1" dur="indefinite" restart="never" nodeType="tmRoot"/>
+      </p:par>
+    </p:tnLst>
+  </p:timing>
+</p:sld>
+</file>
+
 <file path=ppt/theme/theme1.xml><?xml version="1.0" encoding="utf-8"?>
 <a:theme xmlns:a="http://schemas.openxmlformats.org/drawingml/2006/main" name="Office 테마">
   <a:themeElements>
